--- a/ROP Kurtin prezentace.pptx
+++ b/ROP Kurtin prezentace.pptx
@@ -10,9 +10,10 @@
     <p:sldId id="258" r:id="rId4"/>
     <p:sldId id="260" r:id="rId5"/>
     <p:sldId id="263" r:id="rId6"/>
-    <p:sldId id="261" r:id="rId7"/>
-    <p:sldId id="264" r:id="rId8"/>
-    <p:sldId id="262" r:id="rId9"/>
+    <p:sldId id="265" r:id="rId7"/>
+    <p:sldId id="261" r:id="rId8"/>
+    <p:sldId id="264" r:id="rId9"/>
+    <p:sldId id="262" r:id="rId10"/>
   </p:sldIdLst>
   <p:sldSz cx="12192000" cy="6858000"/>
   <p:notesSz cx="6858000" cy="9144000"/>
@@ -621,7 +622,7 @@
           <a:p>
             <a:fld id="{9DDC1E0E-58E2-4AA6-B758-C54DBDE66F59}" type="datetimeFigureOut">
               <a:rPr lang="cs-CZ" smtClean="0"/>
-              <a:t>06.03.2024</a:t>
+              <a:t>22.03.2024</a:t>
             </a:fld>
             <a:endParaRPr lang="cs-CZ"/>
           </a:p>
@@ -917,7 +918,7 @@
           <a:p>
             <a:fld id="{9DDC1E0E-58E2-4AA6-B758-C54DBDE66F59}" type="datetimeFigureOut">
               <a:rPr lang="cs-CZ" smtClean="0"/>
-              <a:t>06.03.2024</a:t>
+              <a:t>22.03.2024</a:t>
             </a:fld>
             <a:endParaRPr lang="cs-CZ"/>
           </a:p>
@@ -1165,7 +1166,7 @@
           <a:p>
             <a:fld id="{9DDC1E0E-58E2-4AA6-B758-C54DBDE66F59}" type="datetimeFigureOut">
               <a:rPr lang="cs-CZ" smtClean="0"/>
-              <a:t>06.03.2024</a:t>
+              <a:t>22.03.2024</a:t>
             </a:fld>
             <a:endParaRPr lang="cs-CZ"/>
           </a:p>
@@ -1705,7 +1706,7 @@
           <a:p>
             <a:fld id="{9DDC1E0E-58E2-4AA6-B758-C54DBDE66F59}" type="datetimeFigureOut">
               <a:rPr lang="cs-CZ" smtClean="0"/>
-              <a:t>06.03.2024</a:t>
+              <a:t>22.03.2024</a:t>
             </a:fld>
             <a:endParaRPr lang="cs-CZ"/>
           </a:p>
@@ -1953,7 +1954,7 @@
           <a:p>
             <a:fld id="{9DDC1E0E-58E2-4AA6-B758-C54DBDE66F59}" type="datetimeFigureOut">
               <a:rPr lang="cs-CZ" smtClean="0"/>
-              <a:t>06.03.2024</a:t>
+              <a:t>22.03.2024</a:t>
             </a:fld>
             <a:endParaRPr lang="cs-CZ"/>
           </a:p>
@@ -2485,7 +2486,7 @@
           <a:p>
             <a:fld id="{9DDC1E0E-58E2-4AA6-B758-C54DBDE66F59}" type="datetimeFigureOut">
               <a:rPr lang="cs-CZ" smtClean="0"/>
-              <a:t>06.03.2024</a:t>
+              <a:t>22.03.2024</a:t>
             </a:fld>
             <a:endParaRPr lang="cs-CZ"/>
           </a:p>
@@ -2782,7 +2783,7 @@
           <a:p>
             <a:fld id="{9DDC1E0E-58E2-4AA6-B758-C54DBDE66F59}" type="datetimeFigureOut">
               <a:rPr lang="cs-CZ" smtClean="0"/>
-              <a:t>06.03.2024</a:t>
+              <a:t>22.03.2024</a:t>
             </a:fld>
             <a:endParaRPr lang="cs-CZ"/>
           </a:p>
@@ -2956,7 +2957,7 @@
           <a:p>
             <a:fld id="{9DDC1E0E-58E2-4AA6-B758-C54DBDE66F59}" type="datetimeFigureOut">
               <a:rPr lang="cs-CZ" smtClean="0"/>
-              <a:t>06.03.2024</a:t>
+              <a:t>22.03.2024</a:t>
             </a:fld>
             <a:endParaRPr lang="cs-CZ"/>
           </a:p>
@@ -3136,7 +3137,7 @@
           <a:p>
             <a:fld id="{9DDC1E0E-58E2-4AA6-B758-C54DBDE66F59}" type="datetimeFigureOut">
               <a:rPr lang="cs-CZ" smtClean="0"/>
-              <a:t>06.03.2024</a:t>
+              <a:t>22.03.2024</a:t>
             </a:fld>
             <a:endParaRPr lang="cs-CZ"/>
           </a:p>
@@ -3306,7 +3307,7 @@
           <a:p>
             <a:fld id="{9DDC1E0E-58E2-4AA6-B758-C54DBDE66F59}" type="datetimeFigureOut">
               <a:rPr lang="cs-CZ" smtClean="0"/>
-              <a:t>06.03.2024</a:t>
+              <a:t>22.03.2024</a:t>
             </a:fld>
             <a:endParaRPr lang="cs-CZ"/>
           </a:p>
@@ -3557,7 +3558,7 @@
           <a:p>
             <a:fld id="{9DDC1E0E-58E2-4AA6-B758-C54DBDE66F59}" type="datetimeFigureOut">
               <a:rPr lang="cs-CZ" smtClean="0"/>
-              <a:t>06.03.2024</a:t>
+              <a:t>22.03.2024</a:t>
             </a:fld>
             <a:endParaRPr lang="cs-CZ"/>
           </a:p>
@@ -3854,7 +3855,7 @@
           <a:p>
             <a:fld id="{9DDC1E0E-58E2-4AA6-B758-C54DBDE66F59}" type="datetimeFigureOut">
               <a:rPr lang="cs-CZ" smtClean="0"/>
-              <a:t>06.03.2024</a:t>
+              <a:t>22.03.2024</a:t>
             </a:fld>
             <a:endParaRPr lang="cs-CZ"/>
           </a:p>
@@ -4296,7 +4297,7 @@
           <a:p>
             <a:fld id="{9DDC1E0E-58E2-4AA6-B758-C54DBDE66F59}" type="datetimeFigureOut">
               <a:rPr lang="cs-CZ" smtClean="0"/>
-              <a:t>06.03.2024</a:t>
+              <a:t>22.03.2024</a:t>
             </a:fld>
             <a:endParaRPr lang="cs-CZ"/>
           </a:p>
@@ -4414,7 +4415,7 @@
           <a:p>
             <a:fld id="{9DDC1E0E-58E2-4AA6-B758-C54DBDE66F59}" type="datetimeFigureOut">
               <a:rPr lang="cs-CZ" smtClean="0"/>
-              <a:t>06.03.2024</a:t>
+              <a:t>22.03.2024</a:t>
             </a:fld>
             <a:endParaRPr lang="cs-CZ"/>
           </a:p>
@@ -4509,7 +4510,7 @@
           <a:p>
             <a:fld id="{9DDC1E0E-58E2-4AA6-B758-C54DBDE66F59}" type="datetimeFigureOut">
               <a:rPr lang="cs-CZ" smtClean="0"/>
-              <a:t>06.03.2024</a:t>
+              <a:t>22.03.2024</a:t>
             </a:fld>
             <a:endParaRPr lang="cs-CZ"/>
           </a:p>
@@ -4792,7 +4793,7 @@
           <a:p>
             <a:fld id="{9DDC1E0E-58E2-4AA6-B758-C54DBDE66F59}" type="datetimeFigureOut">
               <a:rPr lang="cs-CZ" smtClean="0"/>
-              <a:t>06.03.2024</a:t>
+              <a:t>22.03.2024</a:t>
             </a:fld>
             <a:endParaRPr lang="cs-CZ"/>
           </a:p>
@@ -5083,7 +5084,7 @@
           <a:p>
             <a:fld id="{9DDC1E0E-58E2-4AA6-B758-C54DBDE66F59}" type="datetimeFigureOut">
               <a:rPr lang="cs-CZ" smtClean="0"/>
-              <a:t>06.03.2024</a:t>
+              <a:t>22.03.2024</a:t>
             </a:fld>
             <a:endParaRPr lang="cs-CZ"/>
           </a:p>
@@ -5613,7 +5614,7 @@
           <a:p>
             <a:fld id="{9DDC1E0E-58E2-4AA6-B758-C54DBDE66F59}" type="datetimeFigureOut">
               <a:rPr lang="cs-CZ" smtClean="0"/>
-              <a:t>06.03.2024</a:t>
+              <a:t>22.03.2024</a:t>
             </a:fld>
             <a:endParaRPr lang="cs-CZ"/>
           </a:p>
@@ -6216,13 +6217,13 @@
   <p:clrMapOvr>
     <a:masterClrMapping/>
   </p:clrMapOvr>
-  <mc:AlternateContent xmlns:mc="http://schemas.openxmlformats.org/markup-compatibility/2006">
-    <mc:Choice xmlns:p159="http://schemas.microsoft.com/office/powerpoint/2015/09/main" Requires="p159">
+  <mc:AlternateContent xmlns:mc="http://schemas.openxmlformats.org/markup-compatibility/2006" xmlns:p159="http://schemas.microsoft.com/office/powerpoint/2015/09/main">
+    <mc:Choice Requires="p159">
       <p:transition xmlns:p14="http://schemas.microsoft.com/office/powerpoint/2010/main" spd="slow" p14:dur="2000">
         <p159:morph option="byObject"/>
       </p:transition>
     </mc:Choice>
-    <mc:Fallback>
+    <mc:Fallback xmlns="">
       <p:transition spd="slow">
         <p:fade/>
       </p:transition>
@@ -6403,13 +6404,13 @@
   <p:clrMapOvr>
     <a:masterClrMapping/>
   </p:clrMapOvr>
-  <mc:AlternateContent xmlns:mc="http://schemas.openxmlformats.org/markup-compatibility/2006">
-    <mc:Choice xmlns:p159="http://schemas.microsoft.com/office/powerpoint/2015/09/main" Requires="p159">
+  <mc:AlternateContent xmlns:mc="http://schemas.openxmlformats.org/markup-compatibility/2006" xmlns:p159="http://schemas.microsoft.com/office/powerpoint/2015/09/main">
+    <mc:Choice Requires="p159">
       <p:transition xmlns:p14="http://schemas.microsoft.com/office/powerpoint/2010/main" spd="slow" p14:dur="2000">
         <p159:morph option="byObject"/>
       </p:transition>
     </mc:Choice>
-    <mc:Fallback>
+    <mc:Fallback xmlns="">
       <p:transition spd="slow">
         <p:fade/>
       </p:transition>
@@ -6564,13 +6565,13 @@
   <p:clrMapOvr>
     <a:masterClrMapping/>
   </p:clrMapOvr>
-  <mc:AlternateContent xmlns:mc="http://schemas.openxmlformats.org/markup-compatibility/2006">
-    <mc:Choice xmlns:p159="http://schemas.microsoft.com/office/powerpoint/2015/09/main" Requires="p159">
+  <mc:AlternateContent xmlns:mc="http://schemas.openxmlformats.org/markup-compatibility/2006" xmlns:p159="http://schemas.microsoft.com/office/powerpoint/2015/09/main">
+    <mc:Choice Requires="p159">
       <p:transition xmlns:p14="http://schemas.microsoft.com/office/powerpoint/2010/main" spd="slow" p14:dur="2000">
         <p159:morph option="byObject"/>
       </p:transition>
     </mc:Choice>
-    <mc:Fallback>
+    <mc:Fallback xmlns="">
       <p:transition spd="slow">
         <p:fade/>
       </p:transition>
@@ -6724,13 +6725,13 @@
   <p:clrMapOvr>
     <a:masterClrMapping/>
   </p:clrMapOvr>
-  <mc:AlternateContent xmlns:mc="http://schemas.openxmlformats.org/markup-compatibility/2006">
-    <mc:Choice xmlns:p159="http://schemas.microsoft.com/office/powerpoint/2015/09/main" Requires="p159">
+  <mc:AlternateContent xmlns:mc="http://schemas.openxmlformats.org/markup-compatibility/2006" xmlns:p159="http://schemas.microsoft.com/office/powerpoint/2015/09/main">
+    <mc:Choice Requires="p159">
       <p:transition xmlns:p14="http://schemas.microsoft.com/office/powerpoint/2010/main" spd="slow" p14:dur="2000">
         <p159:morph option="byObject"/>
       </p:transition>
     </mc:Choice>
-    <mc:Fallback>
+    <mc:Fallback xmlns="">
       <p:transition spd="slow">
         <p:fade/>
       </p:transition>
@@ -6897,13 +6898,13 @@
   <p:clrMapOvr>
     <a:masterClrMapping/>
   </p:clrMapOvr>
-  <mc:AlternateContent xmlns:mc="http://schemas.openxmlformats.org/markup-compatibility/2006">
-    <mc:Choice xmlns:p159="http://schemas.microsoft.com/office/powerpoint/2015/09/main" Requires="p159">
+  <mc:AlternateContent xmlns:mc="http://schemas.openxmlformats.org/markup-compatibility/2006" xmlns:p159="http://schemas.microsoft.com/office/powerpoint/2015/09/main">
+    <mc:Choice Requires="p159">
       <p:transition xmlns:p14="http://schemas.microsoft.com/office/powerpoint/2010/main" spd="slow" p14:dur="2000">
         <p159:morph option="byObject"/>
       </p:transition>
     </mc:Choice>
-    <mc:Fallback>
+    <mc:Fallback xmlns="">
       <p:transition spd="slow">
         <p:fade/>
       </p:transition>
@@ -6913,6 +6914,116 @@
 </file>
 
 <file path=ppt/slides/slide6.xml><?xml version="1.0" encoding="utf-8"?>
+<p:sld xmlns:a="http://schemas.openxmlformats.org/drawingml/2006/main" xmlns:r="http://schemas.openxmlformats.org/officeDocument/2006/relationships" xmlns:p="http://schemas.openxmlformats.org/presentationml/2006/main">
+  <p:cSld>
+    <p:spTree>
+      <p:nvGrpSpPr>
+        <p:cNvPr id="1" name=""/>
+        <p:cNvGrpSpPr/>
+        <p:nvPr/>
+      </p:nvGrpSpPr>
+      <p:grpSpPr>
+        <a:xfrm>
+          <a:off x="0" y="0"/>
+          <a:ext cx="0" cy="0"/>
+          <a:chOff x="0" y="0"/>
+          <a:chExt cx="0" cy="0"/>
+        </a:xfrm>
+      </p:grpSpPr>
+      <p:sp>
+        <p:nvSpPr>
+          <p:cNvPr id="2" name="Nadpis 1">
+            <a:extLst>
+              <a:ext uri="{FF2B5EF4-FFF2-40B4-BE49-F238E27FC236}">
+                <a16:creationId xmlns:a16="http://schemas.microsoft.com/office/drawing/2014/main" id="{784F48B8-4396-44D4-9DC6-E2075A2E56F6}"/>
+              </a:ext>
+            </a:extLst>
+          </p:cNvPr>
+          <p:cNvSpPr>
+            <a:spLocks noGrp="1"/>
+          </p:cNvSpPr>
+          <p:nvPr>
+            <p:ph type="title"/>
+          </p:nvPr>
+        </p:nvSpPr>
+        <p:spPr/>
+        <p:txBody>
+          <a:bodyPr/>
+          <a:lstStyle/>
+          <a:p>
+            <a:endParaRPr lang="cs-CZ"/>
+          </a:p>
+        </p:txBody>
+      </p:sp>
+      <p:sp>
+        <p:nvSpPr>
+          <p:cNvPr id="3" name="Zástupný symbol pro obsah 2">
+            <a:extLst>
+              <a:ext uri="{FF2B5EF4-FFF2-40B4-BE49-F238E27FC236}">
+                <a16:creationId xmlns:a16="http://schemas.microsoft.com/office/drawing/2014/main" id="{E08F1CB4-0D90-4F92-A41A-BB33E4A72806}"/>
+              </a:ext>
+            </a:extLst>
+          </p:cNvPr>
+          <p:cNvSpPr>
+            <a:spLocks noGrp="1"/>
+          </p:cNvSpPr>
+          <p:nvPr>
+            <p:ph idx="1"/>
+          </p:nvPr>
+        </p:nvSpPr>
+        <p:spPr/>
+        <p:txBody>
+          <a:bodyPr/>
+          <a:lstStyle/>
+          <a:p>
+            <a:endParaRPr lang="cs-CZ"/>
+          </a:p>
+        </p:txBody>
+      </p:sp>
+      <p:pic>
+        <p:nvPicPr>
+          <p:cNvPr id="4" name="Obrázek 3">
+            <a:extLst>
+              <a:ext uri="{FF2B5EF4-FFF2-40B4-BE49-F238E27FC236}">
+                <a16:creationId xmlns:a16="http://schemas.microsoft.com/office/drawing/2014/main" id="{487BF40B-42D3-40F5-8969-C8EFE4240342}"/>
+              </a:ext>
+            </a:extLst>
+          </p:cNvPr>
+          <p:cNvPicPr>
+            <a:picLocks noChangeAspect="1"/>
+          </p:cNvPicPr>
+          <p:nvPr/>
+        </p:nvPicPr>
+        <p:blipFill>
+          <a:blip r:embed="rId2"/>
+          <a:stretch>
+            <a:fillRect/>
+          </a:stretch>
+        </p:blipFill>
+        <p:spPr>
+          <a:xfrm>
+            <a:off x="3100272" y="1738718"/>
+            <a:ext cx="5991456" cy="4139868"/>
+          </a:xfrm>
+          <a:prstGeom prst="rect">
+            <a:avLst/>
+          </a:prstGeom>
+        </p:spPr>
+      </p:pic>
+    </p:spTree>
+    <p:extLst>
+      <p:ext uri="{BB962C8B-B14F-4D97-AF65-F5344CB8AC3E}">
+        <p14:creationId xmlns:p14="http://schemas.microsoft.com/office/powerpoint/2010/main" val="2483140882"/>
+      </p:ext>
+    </p:extLst>
+  </p:cSld>
+  <p:clrMapOvr>
+    <a:masterClrMapping/>
+  </p:clrMapOvr>
+</p:sld>
+</file>
+
+<file path=ppt/slides/slide7.xml><?xml version="1.0" encoding="utf-8"?>
 <p:sld xmlns:a="http://schemas.openxmlformats.org/drawingml/2006/main" xmlns:r="http://schemas.openxmlformats.org/officeDocument/2006/relationships" xmlns:p="http://schemas.openxmlformats.org/presentationml/2006/main">
   <p:cSld>
     <p:spTree>
@@ -7075,138 +7186,13 @@
   <p:clrMapOvr>
     <a:masterClrMapping/>
   </p:clrMapOvr>
-  <mc:AlternateContent xmlns:mc="http://schemas.openxmlformats.org/markup-compatibility/2006">
-    <mc:Choice xmlns:p159="http://schemas.microsoft.com/office/powerpoint/2015/09/main" Requires="p159">
+  <mc:AlternateContent xmlns:mc="http://schemas.openxmlformats.org/markup-compatibility/2006" xmlns:p159="http://schemas.microsoft.com/office/powerpoint/2015/09/main">
+    <mc:Choice Requires="p159">
       <p:transition xmlns:p14="http://schemas.microsoft.com/office/powerpoint/2010/main" spd="slow" p14:dur="2000">
         <p159:morph option="byObject"/>
       </p:transition>
     </mc:Choice>
-    <mc:Fallback>
-      <p:transition spd="slow">
-        <p:fade/>
-      </p:transition>
-    </mc:Fallback>
-  </mc:AlternateContent>
-</p:sld>
-</file>
-
-<file path=ppt/slides/slide7.xml><?xml version="1.0" encoding="utf-8"?>
-<p:sld xmlns:a="http://schemas.openxmlformats.org/drawingml/2006/main" xmlns:r="http://schemas.openxmlformats.org/officeDocument/2006/relationships" xmlns:p="http://schemas.openxmlformats.org/presentationml/2006/main">
-  <p:cSld>
-    <p:spTree>
-      <p:nvGrpSpPr>
-        <p:cNvPr id="1" name=""/>
-        <p:cNvGrpSpPr/>
-        <p:nvPr/>
-      </p:nvGrpSpPr>
-      <p:grpSpPr>
-        <a:xfrm>
-          <a:off x="0" y="0"/>
-          <a:ext cx="0" cy="0"/>
-          <a:chOff x="0" y="0"/>
-          <a:chExt cx="0" cy="0"/>
-        </a:xfrm>
-      </p:grpSpPr>
-      <p:sp>
-        <p:nvSpPr>
-          <p:cNvPr id="2" name="Nadpis 1">
-            <a:extLst>
-              <a:ext uri="{FF2B5EF4-FFF2-40B4-BE49-F238E27FC236}">
-                <a16:creationId xmlns:a16="http://schemas.microsoft.com/office/drawing/2014/main" id="{C6FE0880-F679-CC7D-85B8-EAD622D38843}"/>
-              </a:ext>
-            </a:extLst>
-          </p:cNvPr>
-          <p:cNvSpPr>
-            <a:spLocks noGrp="1"/>
-          </p:cNvSpPr>
-          <p:nvPr>
-            <p:ph type="title"/>
-          </p:nvPr>
-        </p:nvSpPr>
-        <p:spPr/>
-        <p:txBody>
-          <a:bodyPr/>
-          <a:lstStyle/>
-          <a:p>
-            <a:r>
-              <a:rPr lang="cs-CZ" dirty="0"/>
-              <a:t>Algoritmické poskládání</a:t>
-            </a:r>
-          </a:p>
-        </p:txBody>
-      </p:sp>
-      <p:sp>
-        <p:nvSpPr>
-          <p:cNvPr id="3" name="Zástupný obsah 2">
-            <a:extLst>
-              <a:ext uri="{FF2B5EF4-FFF2-40B4-BE49-F238E27FC236}">
-                <a16:creationId xmlns:a16="http://schemas.microsoft.com/office/drawing/2014/main" id="{0F76B30B-47E6-D953-0660-C221A8AB68B7}"/>
-              </a:ext>
-            </a:extLst>
-          </p:cNvPr>
-          <p:cNvSpPr>
-            <a:spLocks noGrp="1"/>
-          </p:cNvSpPr>
-          <p:nvPr>
-            <p:ph idx="1"/>
-          </p:nvPr>
-        </p:nvSpPr>
-        <p:spPr/>
-        <p:txBody>
-          <a:bodyPr/>
-          <a:lstStyle/>
-          <a:p>
-            <a:r>
-              <a:rPr lang="cs-CZ" dirty="0"/>
-              <a:t>Existují 3 hlavní druhy skládání počítačem:</a:t>
-            </a:r>
-          </a:p>
-          <a:p>
-            <a:pPr lvl="1"/>
-            <a:r>
-              <a:rPr lang="cs-CZ" dirty="0"/>
-              <a:t>Vrácení všech tahů</a:t>
-            </a:r>
-          </a:p>
-          <a:p>
-            <a:pPr lvl="1"/>
-            <a:r>
-              <a:rPr lang="cs-CZ" dirty="0"/>
-              <a:t>Použití ideálních algoritmů (Korfův algoritmus)</a:t>
-            </a:r>
-          </a:p>
-          <a:p>
-            <a:pPr lvl="1"/>
-            <a:r>
-              <a:rPr lang="cs-CZ" dirty="0"/>
-              <a:t>Metodikou jako člověk</a:t>
-            </a:r>
-          </a:p>
-          <a:p>
-            <a:r>
-              <a:rPr lang="cs-CZ" dirty="0"/>
-              <a:t>Pro tuto aplikaci se využije 3. (metoda CFOP)</a:t>
-            </a:r>
-          </a:p>
-        </p:txBody>
-      </p:sp>
-    </p:spTree>
-    <p:extLst>
-      <p:ext uri="{BB962C8B-B14F-4D97-AF65-F5344CB8AC3E}">
-        <p14:creationId xmlns:p14="http://schemas.microsoft.com/office/powerpoint/2010/main" val="1305273093"/>
-      </p:ext>
-    </p:extLst>
-  </p:cSld>
-  <p:clrMapOvr>
-    <a:masterClrMapping/>
-  </p:clrMapOvr>
-  <mc:AlternateContent xmlns:mc="http://schemas.openxmlformats.org/markup-compatibility/2006">
-    <mc:Choice xmlns:p159="http://schemas.microsoft.com/office/powerpoint/2015/09/main" Requires="p159">
-      <p:transition xmlns:p14="http://schemas.microsoft.com/office/powerpoint/2010/main" spd="slow" p14:dur="2000">
-        <p159:morph option="byObject"/>
-      </p:transition>
-    </mc:Choice>
-    <mc:Fallback>
+    <mc:Fallback xmlns="">
       <p:transition spd="slow">
         <p:fade/>
       </p:transition>
@@ -7237,6 +7223,160 @@
           <p:cNvPr id="2" name="Nadpis 1">
             <a:extLst>
               <a:ext uri="{FF2B5EF4-FFF2-40B4-BE49-F238E27FC236}">
+                <a16:creationId xmlns:a16="http://schemas.microsoft.com/office/drawing/2014/main" id="{C6FE0880-F679-CC7D-85B8-EAD622D38843}"/>
+              </a:ext>
+            </a:extLst>
+          </p:cNvPr>
+          <p:cNvSpPr>
+            <a:spLocks noGrp="1"/>
+          </p:cNvSpPr>
+          <p:nvPr>
+            <p:ph type="title"/>
+          </p:nvPr>
+        </p:nvSpPr>
+        <p:spPr/>
+        <p:txBody>
+          <a:bodyPr/>
+          <a:lstStyle/>
+          <a:p>
+            <a:r>
+              <a:rPr lang="cs-CZ" dirty="0"/>
+              <a:t>Algoritmické poskládání</a:t>
+            </a:r>
+          </a:p>
+        </p:txBody>
+      </p:sp>
+      <p:sp>
+        <p:nvSpPr>
+          <p:cNvPr id="3" name="Zástupný obsah 2">
+            <a:extLst>
+              <a:ext uri="{FF2B5EF4-FFF2-40B4-BE49-F238E27FC236}">
+                <a16:creationId xmlns:a16="http://schemas.microsoft.com/office/drawing/2014/main" id="{0F76B30B-47E6-D953-0660-C221A8AB68B7}"/>
+              </a:ext>
+            </a:extLst>
+          </p:cNvPr>
+          <p:cNvSpPr>
+            <a:spLocks noGrp="1"/>
+          </p:cNvSpPr>
+          <p:nvPr>
+            <p:ph idx="1"/>
+          </p:nvPr>
+        </p:nvSpPr>
+        <p:spPr>
+          <a:xfrm>
+            <a:off x="1484310" y="2667000"/>
+            <a:ext cx="10018713" cy="1930168"/>
+          </a:xfrm>
+        </p:spPr>
+        <p:txBody>
+          <a:bodyPr/>
+          <a:lstStyle/>
+          <a:p>
+            <a:r>
+              <a:rPr lang="cs-CZ" dirty="0"/>
+              <a:t>Existují 3 hlavní druhy skládání počítačem:</a:t>
+            </a:r>
+          </a:p>
+          <a:p>
+            <a:pPr lvl="1"/>
+            <a:r>
+              <a:rPr lang="cs-CZ" dirty="0"/>
+              <a:t>Vrácení všech tahů</a:t>
+            </a:r>
+          </a:p>
+          <a:p>
+            <a:pPr lvl="1"/>
+            <a:r>
+              <a:rPr lang="cs-CZ" dirty="0"/>
+              <a:t>Použití ideálních algoritmů (Korfův algoritmus)</a:t>
+            </a:r>
+          </a:p>
+          <a:p>
+            <a:pPr lvl="1"/>
+            <a:r>
+              <a:rPr lang="cs-CZ" dirty="0"/>
+              <a:t>Metodikou jako člověk (CFOP)</a:t>
+            </a:r>
+          </a:p>
+        </p:txBody>
+      </p:sp>
+      <p:pic>
+        <p:nvPicPr>
+          <p:cNvPr id="4" name="Obrázek 3">
+            <a:extLst>
+              <a:ext uri="{FF2B5EF4-FFF2-40B4-BE49-F238E27FC236}">
+                <a16:creationId xmlns:a16="http://schemas.microsoft.com/office/drawing/2014/main" id="{F01F2648-D1D7-4FD5-A53B-A66CA9A1527B}"/>
+              </a:ext>
+            </a:extLst>
+          </p:cNvPr>
+          <p:cNvPicPr>
+            <a:picLocks noChangeAspect="1"/>
+          </p:cNvPicPr>
+          <p:nvPr/>
+        </p:nvPicPr>
+        <p:blipFill>
+          <a:blip r:embed="rId2"/>
+          <a:stretch>
+            <a:fillRect/>
+          </a:stretch>
+        </p:blipFill>
+        <p:spPr>
+          <a:xfrm>
+            <a:off x="4508444" y="4764947"/>
+            <a:ext cx="6657845" cy="1407253"/>
+          </a:xfrm>
+          <a:prstGeom prst="rect">
+            <a:avLst/>
+          </a:prstGeom>
+        </p:spPr>
+      </p:pic>
+    </p:spTree>
+    <p:extLst>
+      <p:ext uri="{BB962C8B-B14F-4D97-AF65-F5344CB8AC3E}">
+        <p14:creationId xmlns:p14="http://schemas.microsoft.com/office/powerpoint/2010/main" val="1305273093"/>
+      </p:ext>
+    </p:extLst>
+  </p:cSld>
+  <p:clrMapOvr>
+    <a:masterClrMapping/>
+  </p:clrMapOvr>
+  <mc:AlternateContent xmlns:mc="http://schemas.openxmlformats.org/markup-compatibility/2006" xmlns:p159="http://schemas.microsoft.com/office/powerpoint/2015/09/main">
+    <mc:Choice Requires="p159">
+      <p:transition xmlns:p14="http://schemas.microsoft.com/office/powerpoint/2010/main" spd="slow" p14:dur="2000">
+        <p159:morph option="byObject"/>
+      </p:transition>
+    </mc:Choice>
+    <mc:Fallback xmlns="">
+      <p:transition spd="slow">
+        <p:fade/>
+      </p:transition>
+    </mc:Fallback>
+  </mc:AlternateContent>
+</p:sld>
+</file>
+
+<file path=ppt/slides/slide9.xml><?xml version="1.0" encoding="utf-8"?>
+<p:sld xmlns:a="http://schemas.openxmlformats.org/drawingml/2006/main" xmlns:r="http://schemas.openxmlformats.org/officeDocument/2006/relationships" xmlns:p="http://schemas.openxmlformats.org/presentationml/2006/main">
+  <p:cSld>
+    <p:spTree>
+      <p:nvGrpSpPr>
+        <p:cNvPr id="1" name=""/>
+        <p:cNvGrpSpPr/>
+        <p:nvPr/>
+      </p:nvGrpSpPr>
+      <p:grpSpPr>
+        <a:xfrm>
+          <a:off x="0" y="0"/>
+          <a:ext cx="0" cy="0"/>
+          <a:chOff x="0" y="0"/>
+          <a:chExt cx="0" cy="0"/>
+        </a:xfrm>
+      </p:grpSpPr>
+      <p:sp>
+        <p:nvSpPr>
+          <p:cNvPr id="2" name="Nadpis 1">
+            <a:extLst>
+              <a:ext uri="{FF2B5EF4-FFF2-40B4-BE49-F238E27FC236}">
                 <a16:creationId xmlns:a16="http://schemas.microsoft.com/office/drawing/2014/main" id="{B31D7C91-3987-0228-80A5-D61D3368C338}"/>
               </a:ext>
             </a:extLst>
@@ -7321,13 +7461,13 @@
   <p:clrMapOvr>
     <a:masterClrMapping/>
   </p:clrMapOvr>
-  <mc:AlternateContent xmlns:mc="http://schemas.openxmlformats.org/markup-compatibility/2006">
-    <mc:Choice xmlns:p15="http://schemas.microsoft.com/office/powerpoint/2012/main" Requires="p15">
+  <mc:AlternateContent xmlns:mc="http://schemas.openxmlformats.org/markup-compatibility/2006" xmlns:p15="http://schemas.microsoft.com/office/powerpoint/2012/main">
+    <mc:Choice Requires="p15">
       <p:transition xmlns:p14="http://schemas.microsoft.com/office/powerpoint/2010/main" spd="slow" p14:dur="5000">
         <p15:prstTrans prst="curtains"/>
       </p:transition>
     </mc:Choice>
-    <mc:Fallback>
+    <mc:Fallback xmlns="">
       <p:transition spd="slow">
         <p:fade/>
       </p:transition>

--- a/ROP Kurtin prezentace.pptx
+++ b/ROP Kurtin prezentace.pptx
@@ -11,9 +11,10 @@
     <p:sldId id="260" r:id="rId5"/>
     <p:sldId id="263" r:id="rId6"/>
     <p:sldId id="265" r:id="rId7"/>
-    <p:sldId id="261" r:id="rId8"/>
-    <p:sldId id="264" r:id="rId9"/>
-    <p:sldId id="262" r:id="rId10"/>
+    <p:sldId id="266" r:id="rId8"/>
+    <p:sldId id="261" r:id="rId9"/>
+    <p:sldId id="264" r:id="rId10"/>
+    <p:sldId id="262" r:id="rId11"/>
   </p:sldIdLst>
   <p:sldSz cx="12192000" cy="6858000"/>
   <p:notesSz cx="6858000" cy="9144000"/>
@@ -622,7 +623,7 @@
           <a:p>
             <a:fld id="{9DDC1E0E-58E2-4AA6-B758-C54DBDE66F59}" type="datetimeFigureOut">
               <a:rPr lang="cs-CZ" smtClean="0"/>
-              <a:t>22.03.2024</a:t>
+              <a:t>15.05.2024</a:t>
             </a:fld>
             <a:endParaRPr lang="cs-CZ"/>
           </a:p>
@@ -918,7 +919,7 @@
           <a:p>
             <a:fld id="{9DDC1E0E-58E2-4AA6-B758-C54DBDE66F59}" type="datetimeFigureOut">
               <a:rPr lang="cs-CZ" smtClean="0"/>
-              <a:t>22.03.2024</a:t>
+              <a:t>15.05.2024</a:t>
             </a:fld>
             <a:endParaRPr lang="cs-CZ"/>
           </a:p>
@@ -1166,7 +1167,7 @@
           <a:p>
             <a:fld id="{9DDC1E0E-58E2-4AA6-B758-C54DBDE66F59}" type="datetimeFigureOut">
               <a:rPr lang="cs-CZ" smtClean="0"/>
-              <a:t>22.03.2024</a:t>
+              <a:t>15.05.2024</a:t>
             </a:fld>
             <a:endParaRPr lang="cs-CZ"/>
           </a:p>
@@ -1706,7 +1707,7 @@
           <a:p>
             <a:fld id="{9DDC1E0E-58E2-4AA6-B758-C54DBDE66F59}" type="datetimeFigureOut">
               <a:rPr lang="cs-CZ" smtClean="0"/>
-              <a:t>22.03.2024</a:t>
+              <a:t>15.05.2024</a:t>
             </a:fld>
             <a:endParaRPr lang="cs-CZ"/>
           </a:p>
@@ -1954,7 +1955,7 @@
           <a:p>
             <a:fld id="{9DDC1E0E-58E2-4AA6-B758-C54DBDE66F59}" type="datetimeFigureOut">
               <a:rPr lang="cs-CZ" smtClean="0"/>
-              <a:t>22.03.2024</a:t>
+              <a:t>15.05.2024</a:t>
             </a:fld>
             <a:endParaRPr lang="cs-CZ"/>
           </a:p>
@@ -2486,7 +2487,7 @@
           <a:p>
             <a:fld id="{9DDC1E0E-58E2-4AA6-B758-C54DBDE66F59}" type="datetimeFigureOut">
               <a:rPr lang="cs-CZ" smtClean="0"/>
-              <a:t>22.03.2024</a:t>
+              <a:t>15.05.2024</a:t>
             </a:fld>
             <a:endParaRPr lang="cs-CZ"/>
           </a:p>
@@ -2783,7 +2784,7 @@
           <a:p>
             <a:fld id="{9DDC1E0E-58E2-4AA6-B758-C54DBDE66F59}" type="datetimeFigureOut">
               <a:rPr lang="cs-CZ" smtClean="0"/>
-              <a:t>22.03.2024</a:t>
+              <a:t>15.05.2024</a:t>
             </a:fld>
             <a:endParaRPr lang="cs-CZ"/>
           </a:p>
@@ -2957,7 +2958,7 @@
           <a:p>
             <a:fld id="{9DDC1E0E-58E2-4AA6-B758-C54DBDE66F59}" type="datetimeFigureOut">
               <a:rPr lang="cs-CZ" smtClean="0"/>
-              <a:t>22.03.2024</a:t>
+              <a:t>15.05.2024</a:t>
             </a:fld>
             <a:endParaRPr lang="cs-CZ"/>
           </a:p>
@@ -3137,7 +3138,7 @@
           <a:p>
             <a:fld id="{9DDC1E0E-58E2-4AA6-B758-C54DBDE66F59}" type="datetimeFigureOut">
               <a:rPr lang="cs-CZ" smtClean="0"/>
-              <a:t>22.03.2024</a:t>
+              <a:t>15.05.2024</a:t>
             </a:fld>
             <a:endParaRPr lang="cs-CZ"/>
           </a:p>
@@ -3307,7 +3308,7 @@
           <a:p>
             <a:fld id="{9DDC1E0E-58E2-4AA6-B758-C54DBDE66F59}" type="datetimeFigureOut">
               <a:rPr lang="cs-CZ" smtClean="0"/>
-              <a:t>22.03.2024</a:t>
+              <a:t>15.05.2024</a:t>
             </a:fld>
             <a:endParaRPr lang="cs-CZ"/>
           </a:p>
@@ -3558,7 +3559,7 @@
           <a:p>
             <a:fld id="{9DDC1E0E-58E2-4AA6-B758-C54DBDE66F59}" type="datetimeFigureOut">
               <a:rPr lang="cs-CZ" smtClean="0"/>
-              <a:t>22.03.2024</a:t>
+              <a:t>15.05.2024</a:t>
             </a:fld>
             <a:endParaRPr lang="cs-CZ"/>
           </a:p>
@@ -3855,7 +3856,7 @@
           <a:p>
             <a:fld id="{9DDC1E0E-58E2-4AA6-B758-C54DBDE66F59}" type="datetimeFigureOut">
               <a:rPr lang="cs-CZ" smtClean="0"/>
-              <a:t>22.03.2024</a:t>
+              <a:t>15.05.2024</a:t>
             </a:fld>
             <a:endParaRPr lang="cs-CZ"/>
           </a:p>
@@ -4297,7 +4298,7 @@
           <a:p>
             <a:fld id="{9DDC1E0E-58E2-4AA6-B758-C54DBDE66F59}" type="datetimeFigureOut">
               <a:rPr lang="cs-CZ" smtClean="0"/>
-              <a:t>22.03.2024</a:t>
+              <a:t>15.05.2024</a:t>
             </a:fld>
             <a:endParaRPr lang="cs-CZ"/>
           </a:p>
@@ -4415,7 +4416,7 @@
           <a:p>
             <a:fld id="{9DDC1E0E-58E2-4AA6-B758-C54DBDE66F59}" type="datetimeFigureOut">
               <a:rPr lang="cs-CZ" smtClean="0"/>
-              <a:t>22.03.2024</a:t>
+              <a:t>15.05.2024</a:t>
             </a:fld>
             <a:endParaRPr lang="cs-CZ"/>
           </a:p>
@@ -4510,7 +4511,7 @@
           <a:p>
             <a:fld id="{9DDC1E0E-58E2-4AA6-B758-C54DBDE66F59}" type="datetimeFigureOut">
               <a:rPr lang="cs-CZ" smtClean="0"/>
-              <a:t>22.03.2024</a:t>
+              <a:t>15.05.2024</a:t>
             </a:fld>
             <a:endParaRPr lang="cs-CZ"/>
           </a:p>
@@ -4793,7 +4794,7 @@
           <a:p>
             <a:fld id="{9DDC1E0E-58E2-4AA6-B758-C54DBDE66F59}" type="datetimeFigureOut">
               <a:rPr lang="cs-CZ" smtClean="0"/>
-              <a:t>22.03.2024</a:t>
+              <a:t>15.05.2024</a:t>
             </a:fld>
             <a:endParaRPr lang="cs-CZ"/>
           </a:p>
@@ -5084,7 +5085,7 @@
           <a:p>
             <a:fld id="{9DDC1E0E-58E2-4AA6-B758-C54DBDE66F59}" type="datetimeFigureOut">
               <a:rPr lang="cs-CZ" smtClean="0"/>
-              <a:t>22.03.2024</a:t>
+              <a:t>15.05.2024</a:t>
             </a:fld>
             <a:endParaRPr lang="cs-CZ"/>
           </a:p>
@@ -5614,7 +5615,7 @@
           <a:p>
             <a:fld id="{9DDC1E0E-58E2-4AA6-B758-C54DBDE66F59}" type="datetimeFigureOut">
               <a:rPr lang="cs-CZ" smtClean="0"/>
-              <a:t>22.03.2024</a:t>
+              <a:t>15.05.2024</a:t>
             </a:fld>
             <a:endParaRPr lang="cs-CZ"/>
           </a:p>
@@ -6232,6 +6233,127 @@
 </p:sld>
 </file>
 
+<file path=ppt/slides/slide10.xml><?xml version="1.0" encoding="utf-8"?>
+<p:sld xmlns:a="http://schemas.openxmlformats.org/drawingml/2006/main" xmlns:r="http://schemas.openxmlformats.org/officeDocument/2006/relationships" xmlns:p="http://schemas.openxmlformats.org/presentationml/2006/main">
+  <p:cSld>
+    <p:spTree>
+      <p:nvGrpSpPr>
+        <p:cNvPr id="1" name=""/>
+        <p:cNvGrpSpPr/>
+        <p:nvPr/>
+      </p:nvGrpSpPr>
+      <p:grpSpPr>
+        <a:xfrm>
+          <a:off x="0" y="0"/>
+          <a:ext cx="0" cy="0"/>
+          <a:chOff x="0" y="0"/>
+          <a:chExt cx="0" cy="0"/>
+        </a:xfrm>
+      </p:grpSpPr>
+      <p:sp>
+        <p:nvSpPr>
+          <p:cNvPr id="2" name="Nadpis 1">
+            <a:extLst>
+              <a:ext uri="{FF2B5EF4-FFF2-40B4-BE49-F238E27FC236}">
+                <a16:creationId xmlns:a16="http://schemas.microsoft.com/office/drawing/2014/main" id="{B31D7C91-3987-0228-80A5-D61D3368C338}"/>
+              </a:ext>
+            </a:extLst>
+          </p:cNvPr>
+          <p:cNvSpPr>
+            <a:spLocks noGrp="1"/>
+          </p:cNvSpPr>
+          <p:nvPr>
+            <p:ph type="title"/>
+          </p:nvPr>
+        </p:nvSpPr>
+        <p:spPr/>
+        <p:txBody>
+          <a:bodyPr/>
+          <a:lstStyle/>
+          <a:p>
+            <a:r>
+              <a:rPr lang="cs-CZ" dirty="0"/>
+              <a:t>Děkuji za pozornost</a:t>
+            </a:r>
+          </a:p>
+        </p:txBody>
+      </p:sp>
+      <p:sp>
+        <p:nvSpPr>
+          <p:cNvPr id="3" name="Zástupný obsah 2">
+            <a:extLst>
+              <a:ext uri="{FF2B5EF4-FFF2-40B4-BE49-F238E27FC236}">
+                <a16:creationId xmlns:a16="http://schemas.microsoft.com/office/drawing/2014/main" id="{2A4A3AFD-BCA0-54E1-FF1E-1E33C66A6736}"/>
+              </a:ext>
+            </a:extLst>
+          </p:cNvPr>
+          <p:cNvSpPr>
+            <a:spLocks noGrp="1"/>
+          </p:cNvSpPr>
+          <p:nvPr>
+            <p:ph idx="1"/>
+          </p:nvPr>
+        </p:nvSpPr>
+        <p:spPr/>
+        <p:txBody>
+          <a:bodyPr/>
+          <a:lstStyle/>
+          <a:p>
+            <a:r>
+              <a:rPr lang="cs-CZ" dirty="0"/>
+              <a:t>Použité programy:</a:t>
+            </a:r>
+          </a:p>
+          <a:p>
+            <a:r>
+              <a:rPr lang="cs-CZ" dirty="0"/>
+              <a:t>ROP.exe</a:t>
+            </a:r>
+          </a:p>
+          <a:p>
+            <a:r>
+              <a:rPr lang="cs-CZ" dirty="0"/>
+              <a:t>diagrams.net</a:t>
+            </a:r>
+          </a:p>
+          <a:p>
+            <a:r>
+              <a:rPr lang="cs-CZ" dirty="0"/>
+              <a:t>MS </a:t>
+            </a:r>
+            <a:r>
+              <a:rPr lang="cs-CZ" dirty="0" err="1"/>
+              <a:t>powerpoint</a:t>
+            </a:r>
+            <a:endParaRPr lang="cs-CZ" dirty="0"/>
+          </a:p>
+        </p:txBody>
+      </p:sp>
+    </p:spTree>
+    <p:extLst>
+      <p:ext uri="{BB962C8B-B14F-4D97-AF65-F5344CB8AC3E}">
+        <p14:creationId xmlns:p14="http://schemas.microsoft.com/office/powerpoint/2010/main" val="696850595"/>
+      </p:ext>
+    </p:extLst>
+  </p:cSld>
+  <p:clrMapOvr>
+    <a:masterClrMapping/>
+  </p:clrMapOvr>
+  <mc:AlternateContent xmlns:mc="http://schemas.openxmlformats.org/markup-compatibility/2006" xmlns:p15="http://schemas.microsoft.com/office/powerpoint/2012/main">
+    <mc:Choice Requires="p15">
+      <p:transition xmlns:p14="http://schemas.microsoft.com/office/powerpoint/2010/main" spd="slow" p14:dur="5000">
+        <p15:prstTrans prst="curtains"/>
+      </p:transition>
+    </mc:Choice>
+    <mc:Fallback xmlns="">
+      <p:transition spd="slow">
+        <p:fade/>
+      </p:transition>
+    </mc:Fallback>
+  </mc:AlternateContent>
+</p:sld>
+</file>
+
 <file path=ppt/slides/slide2.xml><?xml version="1.0" encoding="utf-8"?>
 <p:sld xmlns:a="http://schemas.openxmlformats.org/drawingml/2006/main" xmlns:r="http://schemas.openxmlformats.org/officeDocument/2006/relationships" xmlns:p="http://schemas.openxmlformats.org/presentationml/2006/main">
   <p:cSld>
@@ -6341,19 +6463,19 @@
           <a:p>
             <a:r>
               <a:rPr lang="cs-CZ" dirty="0"/>
-              <a:t>Otáčení pomocí tlačítek</a:t>
+              <a:t>Provádění tahů</a:t>
             </a:r>
           </a:p>
           <a:p>
             <a:r>
               <a:rPr lang="cs-CZ" dirty="0"/>
-              <a:t>Vykreslení ve 3D prostoru</a:t>
+              <a:t>3D vykreslení</a:t>
             </a:r>
           </a:p>
           <a:p>
             <a:r>
               <a:rPr lang="cs-CZ" dirty="0"/>
-              <a:t>Provádění algoritmů</a:t>
+              <a:t>Vstup pro algoritmy</a:t>
             </a:r>
           </a:p>
         </p:txBody>
@@ -7024,6 +7146,89 @@
 </file>
 
 <file path=ppt/slides/slide7.xml><?xml version="1.0" encoding="utf-8"?>
+<p:sld xmlns:a="http://schemas.openxmlformats.org/drawingml/2006/main" xmlns:r="http://schemas.openxmlformats.org/officeDocument/2006/relationships" xmlns:p="http://schemas.openxmlformats.org/presentationml/2006/main">
+  <p:cSld>
+    <p:spTree>
+      <p:nvGrpSpPr>
+        <p:cNvPr id="1" name=""/>
+        <p:cNvGrpSpPr/>
+        <p:nvPr/>
+      </p:nvGrpSpPr>
+      <p:grpSpPr>
+        <a:xfrm>
+          <a:off x="0" y="0"/>
+          <a:ext cx="0" cy="0"/>
+          <a:chOff x="0" y="0"/>
+          <a:chExt cx="0" cy="0"/>
+        </a:xfrm>
+      </p:grpSpPr>
+      <p:sp>
+        <p:nvSpPr>
+          <p:cNvPr id="2" name="Nadpis 1">
+            <a:extLst>
+              <a:ext uri="{FF2B5EF4-FFF2-40B4-BE49-F238E27FC236}">
+                <a16:creationId xmlns:a16="http://schemas.microsoft.com/office/drawing/2014/main" id="{C8C4E3D5-48DD-B66C-0835-DAECBD34FDAE}"/>
+              </a:ext>
+            </a:extLst>
+          </p:cNvPr>
+          <p:cNvSpPr>
+            <a:spLocks noGrp="1"/>
+          </p:cNvSpPr>
+          <p:nvPr>
+            <p:ph type="title"/>
+          </p:nvPr>
+        </p:nvSpPr>
+        <p:spPr/>
+        <p:txBody>
+          <a:bodyPr/>
+          <a:lstStyle/>
+          <a:p>
+            <a:r>
+              <a:rPr lang="cs-CZ" dirty="0"/>
+              <a:t>Vykreslování kostky</a:t>
+            </a:r>
+          </a:p>
+        </p:txBody>
+      </p:sp>
+      <p:sp>
+        <p:nvSpPr>
+          <p:cNvPr id="3" name="Zástupný obsah 2">
+            <a:extLst>
+              <a:ext uri="{FF2B5EF4-FFF2-40B4-BE49-F238E27FC236}">
+                <a16:creationId xmlns:a16="http://schemas.microsoft.com/office/drawing/2014/main" id="{A18AF3C6-4582-DD1A-3015-61E65F3C339E}"/>
+              </a:ext>
+            </a:extLst>
+          </p:cNvPr>
+          <p:cNvSpPr>
+            <a:spLocks noGrp="1"/>
+          </p:cNvSpPr>
+          <p:nvPr>
+            <p:ph idx="1"/>
+          </p:nvPr>
+        </p:nvSpPr>
+        <p:spPr/>
+        <p:txBody>
+          <a:bodyPr/>
+          <a:lstStyle/>
+          <a:p>
+            <a:endParaRPr lang="cs-CZ" dirty="0"/>
+          </a:p>
+        </p:txBody>
+      </p:sp>
+    </p:spTree>
+    <p:extLst>
+      <p:ext uri="{BB962C8B-B14F-4D97-AF65-F5344CB8AC3E}">
+        <p14:creationId xmlns:p14="http://schemas.microsoft.com/office/powerpoint/2010/main" val="163646403"/>
+      </p:ext>
+    </p:extLst>
+  </p:cSld>
+  <p:clrMapOvr>
+    <a:masterClrMapping/>
+  </p:clrMapOvr>
+</p:sld>
+</file>
+
+<file path=ppt/slides/slide8.xml><?xml version="1.0" encoding="utf-8"?>
 <p:sld xmlns:a="http://schemas.openxmlformats.org/drawingml/2006/main" xmlns:r="http://schemas.openxmlformats.org/officeDocument/2006/relationships" xmlns:p="http://schemas.openxmlformats.org/presentationml/2006/main">
   <p:cSld>
     <p:spTree>
@@ -7201,7 +7406,7 @@
 </p:sld>
 </file>
 
-<file path=ppt/slides/slide8.xml><?xml version="1.0" encoding="utf-8"?>
+<file path=ppt/slides/slide9.xml><?xml version="1.0" encoding="utf-8"?>
 <p:sld xmlns:a="http://schemas.openxmlformats.org/drawingml/2006/main" xmlns:r="http://schemas.openxmlformats.org/officeDocument/2006/relationships" xmlns:p="http://schemas.openxmlformats.org/presentationml/2006/main">
   <p:cSld>
     <p:spTree>
@@ -7295,7 +7500,7 @@
             <a:pPr lvl="1"/>
             <a:r>
               <a:rPr lang="cs-CZ" dirty="0"/>
-              <a:t>Metodikou jako člověk (CFOP)</a:t>
+              <a:t>Metodikou jako člověk</a:t>
             </a:r>
           </a:p>
         </p:txBody>
@@ -7344,127 +7549,6 @@
     <mc:Choice Requires="p159">
       <p:transition xmlns:p14="http://schemas.microsoft.com/office/powerpoint/2010/main" spd="slow" p14:dur="2000">
         <p159:morph option="byObject"/>
-      </p:transition>
-    </mc:Choice>
-    <mc:Fallback xmlns="">
-      <p:transition spd="slow">
-        <p:fade/>
-      </p:transition>
-    </mc:Fallback>
-  </mc:AlternateContent>
-</p:sld>
-</file>
-
-<file path=ppt/slides/slide9.xml><?xml version="1.0" encoding="utf-8"?>
-<p:sld xmlns:a="http://schemas.openxmlformats.org/drawingml/2006/main" xmlns:r="http://schemas.openxmlformats.org/officeDocument/2006/relationships" xmlns:p="http://schemas.openxmlformats.org/presentationml/2006/main">
-  <p:cSld>
-    <p:spTree>
-      <p:nvGrpSpPr>
-        <p:cNvPr id="1" name=""/>
-        <p:cNvGrpSpPr/>
-        <p:nvPr/>
-      </p:nvGrpSpPr>
-      <p:grpSpPr>
-        <a:xfrm>
-          <a:off x="0" y="0"/>
-          <a:ext cx="0" cy="0"/>
-          <a:chOff x="0" y="0"/>
-          <a:chExt cx="0" cy="0"/>
-        </a:xfrm>
-      </p:grpSpPr>
-      <p:sp>
-        <p:nvSpPr>
-          <p:cNvPr id="2" name="Nadpis 1">
-            <a:extLst>
-              <a:ext uri="{FF2B5EF4-FFF2-40B4-BE49-F238E27FC236}">
-                <a16:creationId xmlns:a16="http://schemas.microsoft.com/office/drawing/2014/main" id="{B31D7C91-3987-0228-80A5-D61D3368C338}"/>
-              </a:ext>
-            </a:extLst>
-          </p:cNvPr>
-          <p:cNvSpPr>
-            <a:spLocks noGrp="1"/>
-          </p:cNvSpPr>
-          <p:nvPr>
-            <p:ph type="title"/>
-          </p:nvPr>
-        </p:nvSpPr>
-        <p:spPr/>
-        <p:txBody>
-          <a:bodyPr/>
-          <a:lstStyle/>
-          <a:p>
-            <a:r>
-              <a:rPr lang="cs-CZ" dirty="0"/>
-              <a:t>Děkuji za pozornost</a:t>
-            </a:r>
-          </a:p>
-        </p:txBody>
-      </p:sp>
-      <p:sp>
-        <p:nvSpPr>
-          <p:cNvPr id="3" name="Zástupný obsah 2">
-            <a:extLst>
-              <a:ext uri="{FF2B5EF4-FFF2-40B4-BE49-F238E27FC236}">
-                <a16:creationId xmlns:a16="http://schemas.microsoft.com/office/drawing/2014/main" id="{2A4A3AFD-BCA0-54E1-FF1E-1E33C66A6736}"/>
-              </a:ext>
-            </a:extLst>
-          </p:cNvPr>
-          <p:cNvSpPr>
-            <a:spLocks noGrp="1"/>
-          </p:cNvSpPr>
-          <p:nvPr>
-            <p:ph idx="1"/>
-          </p:nvPr>
-        </p:nvSpPr>
-        <p:spPr/>
-        <p:txBody>
-          <a:bodyPr/>
-          <a:lstStyle/>
-          <a:p>
-            <a:r>
-              <a:rPr lang="cs-CZ" dirty="0"/>
-              <a:t>Použité programy:</a:t>
-            </a:r>
-          </a:p>
-          <a:p>
-            <a:r>
-              <a:rPr lang="cs-CZ" dirty="0"/>
-              <a:t>ROP.exe</a:t>
-            </a:r>
-          </a:p>
-          <a:p>
-            <a:r>
-              <a:rPr lang="cs-CZ" dirty="0"/>
-              <a:t>diagrams.net</a:t>
-            </a:r>
-          </a:p>
-          <a:p>
-            <a:r>
-              <a:rPr lang="cs-CZ" dirty="0"/>
-              <a:t>MS </a:t>
-            </a:r>
-            <a:r>
-              <a:rPr lang="cs-CZ" dirty="0" err="1"/>
-              <a:t>powerpoint</a:t>
-            </a:r>
-            <a:endParaRPr lang="cs-CZ" dirty="0"/>
-          </a:p>
-        </p:txBody>
-      </p:sp>
-    </p:spTree>
-    <p:extLst>
-      <p:ext uri="{BB962C8B-B14F-4D97-AF65-F5344CB8AC3E}">
-        <p14:creationId xmlns:p14="http://schemas.microsoft.com/office/powerpoint/2010/main" val="696850595"/>
-      </p:ext>
-    </p:extLst>
-  </p:cSld>
-  <p:clrMapOvr>
-    <a:masterClrMapping/>
-  </p:clrMapOvr>
-  <mc:AlternateContent xmlns:mc="http://schemas.openxmlformats.org/markup-compatibility/2006" xmlns:p15="http://schemas.microsoft.com/office/powerpoint/2012/main">
-    <mc:Choice Requires="p15">
-      <p:transition xmlns:p14="http://schemas.microsoft.com/office/powerpoint/2010/main" spd="slow" p14:dur="5000">
-        <p15:prstTrans prst="curtains"/>
       </p:transition>
     </mc:Choice>
     <mc:Fallback xmlns="">
